--- a/Presentation_v1.0.pptx
+++ b/Presentation_v1.0.pptx
@@ -4,6 +4,9 @@
   <p:sldMasterIdLst>
     <p:sldMasterId id="2147483752" r:id="rId1"/>
   </p:sldMasterIdLst>
+  <p:notesMasterIdLst>
+    <p:notesMasterId r:id="rId28"/>
+  </p:notesMasterIdLst>
   <p:sldIdLst>
     <p:sldId id="256" r:id="rId2"/>
     <p:sldId id="257" r:id="rId3"/>
@@ -129,7 +132,686 @@
       </a:defRPr>
     </a:lvl9pPr>
   </p:defaultTextStyle>
+  <p:extLst>
+    <p:ext uri="{EFAFB233-063F-42B5-8137-9DF3F51BA10A}">
+      <p15:sldGuideLst xmlns:p15="http://schemas.microsoft.com/office/powerpoint/2012/main"/>
+    </p:ext>
+  </p:extLst>
 </p:presentation>
+</file>
+
+<file path=ppt/notesMasters/notesMaster1.xml><?xml version="1.0" encoding="utf-8"?>
+<p:notesMaster xmlns:a="http://schemas.openxmlformats.org/drawingml/2006/main" xmlns:r="http://schemas.openxmlformats.org/officeDocument/2006/relationships" xmlns:p="http://schemas.openxmlformats.org/presentationml/2006/main">
+  <p:cSld>
+    <p:bg>
+      <p:bgRef idx="1001">
+        <a:schemeClr val="bg1"/>
+      </p:bgRef>
+    </p:bg>
+    <p:spTree>
+      <p:nvGrpSpPr>
+        <p:cNvPr id="1" name=""/>
+        <p:cNvGrpSpPr/>
+        <p:nvPr/>
+      </p:nvGrpSpPr>
+      <p:grpSpPr>
+        <a:xfrm>
+          <a:off x="0" y="0"/>
+          <a:ext cx="0" cy="0"/>
+          <a:chOff x="0" y="0"/>
+          <a:chExt cx="0" cy="0"/>
+        </a:xfrm>
+      </p:grpSpPr>
+      <p:sp>
+        <p:nvSpPr>
+          <p:cNvPr id="2" name="Header Placeholder 1"/>
+          <p:cNvSpPr>
+            <a:spLocks noGrp="1"/>
+          </p:cNvSpPr>
+          <p:nvPr>
+            <p:ph type="hdr" sz="quarter"/>
+          </p:nvPr>
+        </p:nvSpPr>
+        <p:spPr>
+          <a:xfrm>
+            <a:off x="0" y="0"/>
+            <a:ext cx="2971800" cy="458788"/>
+          </a:xfrm>
+          <a:prstGeom prst="rect">
+            <a:avLst/>
+          </a:prstGeom>
+        </p:spPr>
+        <p:txBody>
+          <a:bodyPr vert="horz" lIns="91440" tIns="45720" rIns="91440" bIns="45720" rtlCol="0"/>
+          <a:lstStyle>
+            <a:lvl1pPr algn="l">
+              <a:defRPr sz="1200"/>
+            </a:lvl1pPr>
+          </a:lstStyle>
+          <a:p>
+            <a:endParaRPr lang="en-US"/>
+          </a:p>
+        </p:txBody>
+      </p:sp>
+      <p:sp>
+        <p:nvSpPr>
+          <p:cNvPr id="3" name="Date Placeholder 2"/>
+          <p:cNvSpPr>
+            <a:spLocks noGrp="1"/>
+          </p:cNvSpPr>
+          <p:nvPr>
+            <p:ph type="dt" idx="1"/>
+          </p:nvPr>
+        </p:nvSpPr>
+        <p:spPr>
+          <a:xfrm>
+            <a:off x="3884613" y="0"/>
+            <a:ext cx="2971800" cy="458788"/>
+          </a:xfrm>
+          <a:prstGeom prst="rect">
+            <a:avLst/>
+          </a:prstGeom>
+        </p:spPr>
+        <p:txBody>
+          <a:bodyPr vert="horz" lIns="91440" tIns="45720" rIns="91440" bIns="45720" rtlCol="0"/>
+          <a:lstStyle>
+            <a:lvl1pPr algn="r">
+              <a:defRPr sz="1200"/>
+            </a:lvl1pPr>
+          </a:lstStyle>
+          <a:p>
+            <a:fld id="{6EC9A145-D451-7844-9217-A421F357C777}" type="datetimeFigureOut">
+              <a:rPr lang="en-US" smtClean="0"/>
+              <a:t>5/2/20</a:t>
+            </a:fld>
+            <a:endParaRPr lang="en-US"/>
+          </a:p>
+        </p:txBody>
+      </p:sp>
+      <p:sp>
+        <p:nvSpPr>
+          <p:cNvPr id="4" name="Slide Image Placeholder 3"/>
+          <p:cNvSpPr>
+            <a:spLocks noGrp="1" noRot="1" noChangeAspect="1"/>
+          </p:cNvSpPr>
+          <p:nvPr>
+            <p:ph type="sldImg" idx="2"/>
+          </p:nvPr>
+        </p:nvSpPr>
+        <p:spPr>
+          <a:xfrm>
+            <a:off x="685800" y="1143000"/>
+            <a:ext cx="5486400" cy="3086100"/>
+          </a:xfrm>
+          <a:prstGeom prst="rect">
+            <a:avLst/>
+          </a:prstGeom>
+          <a:noFill/>
+          <a:ln w="12700">
+            <a:solidFill>
+              <a:prstClr val="black"/>
+            </a:solidFill>
+          </a:ln>
+        </p:spPr>
+        <p:txBody>
+          <a:bodyPr vert="horz" lIns="91440" tIns="45720" rIns="91440" bIns="45720" rtlCol="0" anchor="ctr"/>
+          <a:lstStyle/>
+          <a:p>
+            <a:endParaRPr lang="en-US"/>
+          </a:p>
+        </p:txBody>
+      </p:sp>
+      <p:sp>
+        <p:nvSpPr>
+          <p:cNvPr id="5" name="Notes Placeholder 4"/>
+          <p:cNvSpPr>
+            <a:spLocks noGrp="1"/>
+          </p:cNvSpPr>
+          <p:nvPr>
+            <p:ph type="body" sz="quarter" idx="3"/>
+          </p:nvPr>
+        </p:nvSpPr>
+        <p:spPr>
+          <a:xfrm>
+            <a:off x="685800" y="4400550"/>
+            <a:ext cx="5486400" cy="3600450"/>
+          </a:xfrm>
+          <a:prstGeom prst="rect">
+            <a:avLst/>
+          </a:prstGeom>
+        </p:spPr>
+        <p:txBody>
+          <a:bodyPr vert="horz" lIns="91440" tIns="45720" rIns="91440" bIns="45720" rtlCol="0"/>
+          <a:lstStyle/>
+          <a:p>
+            <a:pPr lvl="0"/>
+            <a:r>
+              <a:rPr lang="en-US"/>
+              <a:t>Click to edit Master text styles</a:t>
+            </a:r>
+          </a:p>
+          <a:p>
+            <a:pPr lvl="1"/>
+            <a:r>
+              <a:rPr lang="en-US"/>
+              <a:t>Second level</a:t>
+            </a:r>
+          </a:p>
+          <a:p>
+            <a:pPr lvl="2"/>
+            <a:r>
+              <a:rPr lang="en-US"/>
+              <a:t>Third level</a:t>
+            </a:r>
+          </a:p>
+          <a:p>
+            <a:pPr lvl="3"/>
+            <a:r>
+              <a:rPr lang="en-US"/>
+              <a:t>Fourth level</a:t>
+            </a:r>
+          </a:p>
+          <a:p>
+            <a:pPr lvl="4"/>
+            <a:r>
+              <a:rPr lang="en-US"/>
+              <a:t>Fifth level</a:t>
+            </a:r>
+          </a:p>
+        </p:txBody>
+      </p:sp>
+      <p:sp>
+        <p:nvSpPr>
+          <p:cNvPr id="6" name="Footer Placeholder 5"/>
+          <p:cNvSpPr>
+            <a:spLocks noGrp="1"/>
+          </p:cNvSpPr>
+          <p:nvPr>
+            <p:ph type="ftr" sz="quarter" idx="4"/>
+          </p:nvPr>
+        </p:nvSpPr>
+        <p:spPr>
+          <a:xfrm>
+            <a:off x="0" y="8685213"/>
+            <a:ext cx="2971800" cy="458787"/>
+          </a:xfrm>
+          <a:prstGeom prst="rect">
+            <a:avLst/>
+          </a:prstGeom>
+        </p:spPr>
+        <p:txBody>
+          <a:bodyPr vert="horz" lIns="91440" tIns="45720" rIns="91440" bIns="45720" rtlCol="0" anchor="b"/>
+          <a:lstStyle>
+            <a:lvl1pPr algn="l">
+              <a:defRPr sz="1200"/>
+            </a:lvl1pPr>
+          </a:lstStyle>
+          <a:p>
+            <a:endParaRPr lang="en-US"/>
+          </a:p>
+        </p:txBody>
+      </p:sp>
+      <p:sp>
+        <p:nvSpPr>
+          <p:cNvPr id="7" name="Slide Number Placeholder 6"/>
+          <p:cNvSpPr>
+            <a:spLocks noGrp="1"/>
+          </p:cNvSpPr>
+          <p:nvPr>
+            <p:ph type="sldNum" sz="quarter" idx="5"/>
+          </p:nvPr>
+        </p:nvSpPr>
+        <p:spPr>
+          <a:xfrm>
+            <a:off x="3884613" y="8685213"/>
+            <a:ext cx="2971800" cy="458787"/>
+          </a:xfrm>
+          <a:prstGeom prst="rect">
+            <a:avLst/>
+          </a:prstGeom>
+        </p:spPr>
+        <p:txBody>
+          <a:bodyPr vert="horz" lIns="91440" tIns="45720" rIns="91440" bIns="45720" rtlCol="0" anchor="b"/>
+          <a:lstStyle>
+            <a:lvl1pPr algn="r">
+              <a:defRPr sz="1200"/>
+            </a:lvl1pPr>
+          </a:lstStyle>
+          <a:p>
+            <a:fld id="{0F915536-C756-E441-B767-0E7A2FF91AE8}" type="slidenum">
+              <a:rPr lang="en-US" smtClean="0"/>
+              <a:t>‹#›</a:t>
+            </a:fld>
+            <a:endParaRPr lang="en-US"/>
+          </a:p>
+        </p:txBody>
+      </p:sp>
+    </p:spTree>
+    <p:extLst>
+      <p:ext uri="{BB962C8B-B14F-4D97-AF65-F5344CB8AC3E}">
+        <p14:creationId xmlns:p14="http://schemas.microsoft.com/office/powerpoint/2010/main" val="4288737364"/>
+      </p:ext>
+    </p:extLst>
+  </p:cSld>
+  <p:clrMap bg1="lt1" tx1="dk1" bg2="lt2" tx2="dk2" accent1="accent1" accent2="accent2" accent3="accent3" accent4="accent4" accent5="accent5" accent6="accent6" hlink="hlink" folHlink="folHlink"/>
+  <p:notesStyle>
+    <a:lvl1pPr marL="0" algn="l" defTabSz="914400" rtl="0" eaLnBrk="1" latinLnBrk="0" hangingPunct="1">
+      <a:defRPr sz="1200" kern="1200">
+        <a:solidFill>
+          <a:schemeClr val="tx1"/>
+        </a:solidFill>
+        <a:latin typeface="+mn-lt"/>
+        <a:ea typeface="+mn-ea"/>
+        <a:cs typeface="+mn-cs"/>
+      </a:defRPr>
+    </a:lvl1pPr>
+    <a:lvl2pPr marL="457200" algn="l" defTabSz="914400" rtl="0" eaLnBrk="1" latinLnBrk="0" hangingPunct="1">
+      <a:defRPr sz="1200" kern="1200">
+        <a:solidFill>
+          <a:schemeClr val="tx1"/>
+        </a:solidFill>
+        <a:latin typeface="+mn-lt"/>
+        <a:ea typeface="+mn-ea"/>
+        <a:cs typeface="+mn-cs"/>
+      </a:defRPr>
+    </a:lvl2pPr>
+    <a:lvl3pPr marL="914400" algn="l" defTabSz="914400" rtl="0" eaLnBrk="1" latinLnBrk="0" hangingPunct="1">
+      <a:defRPr sz="1200" kern="1200">
+        <a:solidFill>
+          <a:schemeClr val="tx1"/>
+        </a:solidFill>
+        <a:latin typeface="+mn-lt"/>
+        <a:ea typeface="+mn-ea"/>
+        <a:cs typeface="+mn-cs"/>
+      </a:defRPr>
+    </a:lvl3pPr>
+    <a:lvl4pPr marL="1371600" algn="l" defTabSz="914400" rtl="0" eaLnBrk="1" latinLnBrk="0" hangingPunct="1">
+      <a:defRPr sz="1200" kern="1200">
+        <a:solidFill>
+          <a:schemeClr val="tx1"/>
+        </a:solidFill>
+        <a:latin typeface="+mn-lt"/>
+        <a:ea typeface="+mn-ea"/>
+        <a:cs typeface="+mn-cs"/>
+      </a:defRPr>
+    </a:lvl4pPr>
+    <a:lvl5pPr marL="1828800" algn="l" defTabSz="914400" rtl="0" eaLnBrk="1" latinLnBrk="0" hangingPunct="1">
+      <a:defRPr sz="1200" kern="1200">
+        <a:solidFill>
+          <a:schemeClr val="tx1"/>
+        </a:solidFill>
+        <a:latin typeface="+mn-lt"/>
+        <a:ea typeface="+mn-ea"/>
+        <a:cs typeface="+mn-cs"/>
+      </a:defRPr>
+    </a:lvl5pPr>
+    <a:lvl6pPr marL="2286000" algn="l" defTabSz="914400" rtl="0" eaLnBrk="1" latinLnBrk="0" hangingPunct="1">
+      <a:defRPr sz="1200" kern="1200">
+        <a:solidFill>
+          <a:schemeClr val="tx1"/>
+        </a:solidFill>
+        <a:latin typeface="+mn-lt"/>
+        <a:ea typeface="+mn-ea"/>
+        <a:cs typeface="+mn-cs"/>
+      </a:defRPr>
+    </a:lvl6pPr>
+    <a:lvl7pPr marL="2743200" algn="l" defTabSz="914400" rtl="0" eaLnBrk="1" latinLnBrk="0" hangingPunct="1">
+      <a:defRPr sz="1200" kern="1200">
+        <a:solidFill>
+          <a:schemeClr val="tx1"/>
+        </a:solidFill>
+        <a:latin typeface="+mn-lt"/>
+        <a:ea typeface="+mn-ea"/>
+        <a:cs typeface="+mn-cs"/>
+      </a:defRPr>
+    </a:lvl7pPr>
+    <a:lvl8pPr marL="3200400" algn="l" defTabSz="914400" rtl="0" eaLnBrk="1" latinLnBrk="0" hangingPunct="1">
+      <a:defRPr sz="1200" kern="1200">
+        <a:solidFill>
+          <a:schemeClr val="tx1"/>
+        </a:solidFill>
+        <a:latin typeface="+mn-lt"/>
+        <a:ea typeface="+mn-ea"/>
+        <a:cs typeface="+mn-cs"/>
+      </a:defRPr>
+    </a:lvl8pPr>
+    <a:lvl9pPr marL="3657600" algn="l" defTabSz="914400" rtl="0" eaLnBrk="1" latinLnBrk="0" hangingPunct="1">
+      <a:defRPr sz="1200" kern="1200">
+        <a:solidFill>
+          <a:schemeClr val="tx1"/>
+        </a:solidFill>
+        <a:latin typeface="+mn-lt"/>
+        <a:ea typeface="+mn-ea"/>
+        <a:cs typeface="+mn-cs"/>
+      </a:defRPr>
+    </a:lvl9pPr>
+  </p:notesStyle>
+</p:notesMaster>
+</file>
+
+<file path=ppt/notesSlides/notesSlide1.xml><?xml version="1.0" encoding="utf-8"?>
+<p:notes xmlns:a="http://schemas.openxmlformats.org/drawingml/2006/main" xmlns:r="http://schemas.openxmlformats.org/officeDocument/2006/relationships" xmlns:p="http://schemas.openxmlformats.org/presentationml/2006/main">
+  <p:cSld>
+    <p:spTree>
+      <p:nvGrpSpPr>
+        <p:cNvPr id="1" name=""/>
+        <p:cNvGrpSpPr/>
+        <p:nvPr/>
+      </p:nvGrpSpPr>
+      <p:grpSpPr>
+        <a:xfrm>
+          <a:off x="0" y="0"/>
+          <a:ext cx="0" cy="0"/>
+          <a:chOff x="0" y="0"/>
+          <a:chExt cx="0" cy="0"/>
+        </a:xfrm>
+      </p:grpSpPr>
+      <p:sp>
+        <p:nvSpPr>
+          <p:cNvPr id="2" name="Slide Image Placeholder 1"/>
+          <p:cNvSpPr>
+            <a:spLocks noGrp="1" noRot="1" noChangeAspect="1"/>
+          </p:cNvSpPr>
+          <p:nvPr>
+            <p:ph type="sldImg"/>
+          </p:nvPr>
+        </p:nvSpPr>
+        <p:spPr/>
+      </p:sp>
+      <p:sp>
+        <p:nvSpPr>
+          <p:cNvPr id="3" name="Notes Placeholder 2"/>
+          <p:cNvSpPr>
+            <a:spLocks noGrp="1"/>
+          </p:cNvSpPr>
+          <p:nvPr>
+            <p:ph type="body" idx="1"/>
+          </p:nvPr>
+        </p:nvSpPr>
+        <p:spPr/>
+        <p:txBody>
+          <a:bodyPr/>
+          <a:lstStyle/>
+          <a:p>
+            <a:r>
+              <a:rPr lang="en-US" dirty="0"/>
+              <a:t>CMS: U.S. Center of Medicaid and Medicare Services</a:t>
+            </a:r>
+          </a:p>
+          <a:p>
+            <a:endParaRPr lang="en-US" dirty="0"/>
+          </a:p>
+          <a:p>
+            <a:r>
+              <a:rPr lang="en-US" dirty="0"/>
+              <a:t>Example:</a:t>
+            </a:r>
+          </a:p>
+          <a:p>
+            <a:r>
+              <a:rPr lang="en-US" dirty="0"/>
+              <a:t>Medicaid patient pay a leg surgery by $200</a:t>
+            </a:r>
+          </a:p>
+          <a:p>
+            <a:r>
+              <a:rPr lang="en-US" dirty="0"/>
+              <a:t>Medicare patient pay for $250</a:t>
+            </a:r>
+          </a:p>
+          <a:p>
+            <a:r>
+              <a:rPr lang="en-US" dirty="0"/>
+              <a:t>Private insured patient pay for $300, then we can guess that physicians gain between $200 - $300 by their weighted sum.</a:t>
+            </a:r>
+          </a:p>
+          <a:p>
+            <a:endParaRPr lang="en-US" dirty="0"/>
+          </a:p>
+          <a:p>
+            <a:r>
+              <a:rPr lang="en-US" dirty="0"/>
+              <a:t>Uninsured patients: could be no insurance coverage, or limited insurance coverage (which don’t cover certain procedure code)</a:t>
+            </a:r>
+          </a:p>
+          <a:p>
+            <a:endParaRPr lang="en-US" dirty="0"/>
+          </a:p>
+          <a:p>
+            <a:endParaRPr lang="en-US" dirty="0"/>
+          </a:p>
+        </p:txBody>
+      </p:sp>
+      <p:sp>
+        <p:nvSpPr>
+          <p:cNvPr id="4" name="Slide Number Placeholder 3"/>
+          <p:cNvSpPr>
+            <a:spLocks noGrp="1"/>
+          </p:cNvSpPr>
+          <p:nvPr>
+            <p:ph type="sldNum" sz="quarter" idx="5"/>
+          </p:nvPr>
+        </p:nvSpPr>
+        <p:spPr/>
+        <p:txBody>
+          <a:bodyPr/>
+          <a:lstStyle/>
+          <a:p>
+            <a:fld id="{0F915536-C756-E441-B767-0E7A2FF91AE8}" type="slidenum">
+              <a:rPr lang="en-US" smtClean="0"/>
+              <a:t>3</a:t>
+            </a:fld>
+            <a:endParaRPr lang="en-US"/>
+          </a:p>
+        </p:txBody>
+      </p:sp>
+    </p:spTree>
+    <p:extLst>
+      <p:ext uri="{BB962C8B-B14F-4D97-AF65-F5344CB8AC3E}">
+        <p14:creationId xmlns:p14="http://schemas.microsoft.com/office/powerpoint/2010/main" val="697766581"/>
+      </p:ext>
+    </p:extLst>
+  </p:cSld>
+  <p:clrMapOvr>
+    <a:masterClrMapping/>
+  </p:clrMapOvr>
+</p:notes>
+</file>
+
+<file path=ppt/notesSlides/notesSlide2.xml><?xml version="1.0" encoding="utf-8"?>
+<p:notes xmlns:a="http://schemas.openxmlformats.org/drawingml/2006/main" xmlns:r="http://schemas.openxmlformats.org/officeDocument/2006/relationships" xmlns:p="http://schemas.openxmlformats.org/presentationml/2006/main">
+  <p:cSld>
+    <p:spTree>
+      <p:nvGrpSpPr>
+        <p:cNvPr id="1" name=""/>
+        <p:cNvGrpSpPr/>
+        <p:nvPr/>
+      </p:nvGrpSpPr>
+      <p:grpSpPr>
+        <a:xfrm>
+          <a:off x="0" y="0"/>
+          <a:ext cx="0" cy="0"/>
+          <a:chOff x="0" y="0"/>
+          <a:chExt cx="0" cy="0"/>
+        </a:xfrm>
+      </p:grpSpPr>
+      <p:sp>
+        <p:nvSpPr>
+          <p:cNvPr id="2" name="Slide Image Placeholder 1"/>
+          <p:cNvSpPr>
+            <a:spLocks noGrp="1" noRot="1" noChangeAspect="1"/>
+          </p:cNvSpPr>
+          <p:nvPr>
+            <p:ph type="sldImg"/>
+          </p:nvPr>
+        </p:nvSpPr>
+        <p:spPr/>
+      </p:sp>
+      <p:sp>
+        <p:nvSpPr>
+          <p:cNvPr id="3" name="Notes Placeholder 2"/>
+          <p:cNvSpPr>
+            <a:spLocks noGrp="1"/>
+          </p:cNvSpPr>
+          <p:nvPr>
+            <p:ph type="body" idx="1"/>
+          </p:nvPr>
+        </p:nvSpPr>
+        <p:spPr/>
+        <p:txBody>
+          <a:bodyPr/>
+          <a:lstStyle/>
+          <a:p>
+            <a:r>
+              <a:rPr lang="en-US"/>
+              <a:t>1, Newly </a:t>
+            </a:r>
+            <a:r>
+              <a:rPr lang="en-US" dirty="0"/>
+              <a:t>Expanded states may not have enough data for research because their database at infant state;</a:t>
+            </a:r>
+          </a:p>
+          <a:p>
+            <a:r>
+              <a:rPr lang="en-US" dirty="0"/>
+              <a:t>2, However, this also cause some problems when collecting the source data.</a:t>
+            </a:r>
+          </a:p>
+        </p:txBody>
+      </p:sp>
+      <p:sp>
+        <p:nvSpPr>
+          <p:cNvPr id="4" name="Slide Number Placeholder 3"/>
+          <p:cNvSpPr>
+            <a:spLocks noGrp="1"/>
+          </p:cNvSpPr>
+          <p:nvPr>
+            <p:ph type="sldNum" sz="quarter" idx="5"/>
+          </p:nvPr>
+        </p:nvSpPr>
+        <p:spPr/>
+        <p:txBody>
+          <a:bodyPr/>
+          <a:lstStyle/>
+          <a:p>
+            <a:fld id="{0F915536-C756-E441-B767-0E7A2FF91AE8}" type="slidenum">
+              <a:rPr lang="en-US" smtClean="0"/>
+              <a:t>4</a:t>
+            </a:fld>
+            <a:endParaRPr lang="en-US"/>
+          </a:p>
+        </p:txBody>
+      </p:sp>
+    </p:spTree>
+    <p:extLst>
+      <p:ext uri="{BB962C8B-B14F-4D97-AF65-F5344CB8AC3E}">
+        <p14:creationId xmlns:p14="http://schemas.microsoft.com/office/powerpoint/2010/main" val="3781556812"/>
+      </p:ext>
+    </p:extLst>
+  </p:cSld>
+  <p:clrMapOvr>
+    <a:masterClrMapping/>
+  </p:clrMapOvr>
+</p:notes>
+</file>
+
+<file path=ppt/notesSlides/notesSlide3.xml><?xml version="1.0" encoding="utf-8"?>
+<p:notes xmlns:a="http://schemas.openxmlformats.org/drawingml/2006/main" xmlns:r="http://schemas.openxmlformats.org/officeDocument/2006/relationships" xmlns:p="http://schemas.openxmlformats.org/presentationml/2006/main">
+  <p:cSld>
+    <p:spTree>
+      <p:nvGrpSpPr>
+        <p:cNvPr id="1" name=""/>
+        <p:cNvGrpSpPr/>
+        <p:nvPr/>
+      </p:nvGrpSpPr>
+      <p:grpSpPr>
+        <a:xfrm>
+          <a:off x="0" y="0"/>
+          <a:ext cx="0" cy="0"/>
+          <a:chOff x="0" y="0"/>
+          <a:chExt cx="0" cy="0"/>
+        </a:xfrm>
+      </p:grpSpPr>
+      <p:sp>
+        <p:nvSpPr>
+          <p:cNvPr id="2" name="Slide Image Placeholder 1"/>
+          <p:cNvSpPr>
+            <a:spLocks noGrp="1" noRot="1" noChangeAspect="1"/>
+          </p:cNvSpPr>
+          <p:nvPr>
+            <p:ph type="sldImg"/>
+          </p:nvPr>
+        </p:nvSpPr>
+        <p:spPr/>
+      </p:sp>
+      <p:sp>
+        <p:nvSpPr>
+          <p:cNvPr id="3" name="Notes Placeholder 2"/>
+          <p:cNvSpPr>
+            <a:spLocks noGrp="1"/>
+          </p:cNvSpPr>
+          <p:nvPr>
+            <p:ph type="body" idx="1"/>
+          </p:nvPr>
+        </p:nvSpPr>
+        <p:spPr/>
+        <p:txBody>
+          <a:bodyPr/>
+          <a:lstStyle/>
+          <a:p>
+            <a:r>
+              <a:rPr lang="en-US" dirty="0"/>
+              <a:t>Medicaid patient pay a leg surgery by $200</a:t>
+            </a:r>
+          </a:p>
+          <a:p>
+            <a:r>
+              <a:rPr lang="en-US" dirty="0"/>
+              <a:t>Medicare patient pay for $250</a:t>
+            </a:r>
+          </a:p>
+          <a:p>
+            <a:r>
+              <a:rPr lang="en-US" dirty="0"/>
+              <a:t>Private insured patient pay for $300, then we can guess that physicians gain between $200 - $300 by their weighted sum.</a:t>
+            </a:r>
+          </a:p>
+        </p:txBody>
+      </p:sp>
+      <p:sp>
+        <p:nvSpPr>
+          <p:cNvPr id="4" name="Slide Number Placeholder 3"/>
+          <p:cNvSpPr>
+            <a:spLocks noGrp="1"/>
+          </p:cNvSpPr>
+          <p:nvPr>
+            <p:ph type="sldNum" sz="quarter" idx="5"/>
+          </p:nvPr>
+        </p:nvSpPr>
+        <p:spPr/>
+        <p:txBody>
+          <a:bodyPr/>
+          <a:lstStyle/>
+          <a:p>
+            <a:fld id="{0F915536-C756-E441-B767-0E7A2FF91AE8}" type="slidenum">
+              <a:rPr lang="en-US" smtClean="0"/>
+              <a:t>17</a:t>
+            </a:fld>
+            <a:endParaRPr lang="en-US"/>
+          </a:p>
+        </p:txBody>
+      </p:sp>
+    </p:spTree>
+    <p:extLst>
+      <p:ext uri="{BB962C8B-B14F-4D97-AF65-F5344CB8AC3E}">
+        <p14:creationId xmlns:p14="http://schemas.microsoft.com/office/powerpoint/2010/main" val="1462769149"/>
+      </p:ext>
+    </p:extLst>
+  </p:cSld>
+  <p:clrMapOvr>
+    <a:masterClrMapping/>
+  </p:clrMapOvr>
+</p:notes>
 </file>
 
 <file path=ppt/slideLayouts/slideLayout1.xml><?xml version="1.0" encoding="utf-8"?>
@@ -4409,7 +5091,7 @@
             <a:fld id="{B61BEF0D-F0BB-DE4B-95CE-6DB70DBA9567}" type="datetimeFigureOut">
               <a:rPr lang="en-US" smtClean="0"/>
               <a:pPr/>
-              <a:t>4/29/20</a:t>
+              <a:t>5/2/20</a:t>
             </a:fld>
             <a:endParaRPr lang="en-US" dirty="0"/>
           </a:p>
@@ -4678,7 +5360,7 @@
             <a:fld id="{B61BEF0D-F0BB-DE4B-95CE-6DB70DBA9567}" type="datetimeFigureOut">
               <a:rPr lang="en-US" smtClean="0"/>
               <a:pPr/>
-              <a:t>4/29/20</a:t>
+              <a:t>5/2/20</a:t>
             </a:fld>
             <a:endParaRPr lang="en-US" dirty="0"/>
           </a:p>
@@ -4876,7 +5558,7 @@
             <a:fld id="{B61BEF0D-F0BB-DE4B-95CE-6DB70DBA9567}" type="datetimeFigureOut">
               <a:rPr lang="en-US" smtClean="0"/>
               <a:pPr/>
-              <a:t>4/29/20</a:t>
+              <a:t>5/2/20</a:t>
             </a:fld>
             <a:endParaRPr lang="en-US" dirty="0"/>
           </a:p>
@@ -5141,7 +5823,7 @@
             <a:fld id="{B61BEF0D-F0BB-DE4B-95CE-6DB70DBA9567}" type="datetimeFigureOut">
               <a:rPr lang="en-US" smtClean="0"/>
               <a:pPr/>
-              <a:t>4/29/20</a:t>
+              <a:t>5/2/20</a:t>
             </a:fld>
             <a:endParaRPr lang="en-US" dirty="0"/>
           </a:p>
@@ -5577,7 +6259,7 @@
             <a:fld id="{B61BEF0D-F0BB-DE4B-95CE-6DB70DBA9567}" type="datetimeFigureOut">
               <a:rPr lang="en-US" smtClean="0"/>
               <a:pPr/>
-              <a:t>4/29/20</a:t>
+              <a:t>5/2/20</a:t>
             </a:fld>
             <a:endParaRPr lang="en-US" dirty="0"/>
           </a:p>
@@ -6125,7 +6807,7 @@
             <a:fld id="{B61BEF0D-F0BB-DE4B-95CE-6DB70DBA9567}" type="datetimeFigureOut">
               <a:rPr lang="en-US" smtClean="0"/>
               <a:pPr/>
-              <a:t>4/29/20</a:t>
+              <a:t>5/2/20</a:t>
             </a:fld>
             <a:endParaRPr lang="en-US" dirty="0"/>
           </a:p>
@@ -6847,7 +7529,7 @@
             <a:fld id="{B61BEF0D-F0BB-DE4B-95CE-6DB70DBA9567}" type="datetimeFigureOut">
               <a:rPr lang="en-US" smtClean="0"/>
               <a:pPr/>
-              <a:t>4/29/20</a:t>
+              <a:t>5/2/20</a:t>
             </a:fld>
             <a:endParaRPr lang="en-US" dirty="0"/>
           </a:p>
@@ -7018,7 +7700,7 @@
           <a:p>
             <a:fld id="{55C6B4A9-1611-4792-9094-5F34BCA07E0B}" type="datetimeFigureOut">
               <a:rPr lang="en-US" smtClean="0"/>
-              <a:t>4/29/20</a:t>
+              <a:t>5/2/20</a:t>
             </a:fld>
             <a:endParaRPr lang="en-US" dirty="0"/>
           </a:p>
@@ -7199,7 +7881,7 @@
             <a:fld id="{B61BEF0D-F0BB-DE4B-95CE-6DB70DBA9567}" type="datetimeFigureOut">
               <a:rPr lang="en-US" smtClean="0"/>
               <a:pPr/>
-              <a:t>4/29/20</a:t>
+              <a:t>5/2/20</a:t>
             </a:fld>
             <a:endParaRPr lang="en-US" dirty="0"/>
           </a:p>
@@ -7371,7 +8053,7 @@
             <a:fld id="{B61BEF0D-F0BB-DE4B-95CE-6DB70DBA9567}" type="datetimeFigureOut">
               <a:rPr lang="en-US" smtClean="0"/>
               <a:pPr/>
-              <a:t>4/29/20</a:t>
+              <a:t>5/2/20</a:t>
             </a:fld>
             <a:endParaRPr lang="en-US" dirty="0"/>
           </a:p>
@@ -7623,7 +8305,7 @@
             <a:fld id="{B61BEF0D-F0BB-DE4B-95CE-6DB70DBA9567}" type="datetimeFigureOut">
               <a:rPr lang="en-US" smtClean="0"/>
               <a:pPr/>
-              <a:t>4/29/20</a:t>
+              <a:t>5/2/20</a:t>
             </a:fld>
             <a:endParaRPr lang="en-US" dirty="0"/>
           </a:p>
@@ -7856,7 +8538,7 @@
           <a:p>
             <a:fld id="{EB712588-04B1-427B-82EE-E8DB90309F08}" type="datetimeFigureOut">
               <a:rPr lang="en-US" smtClean="0"/>
-              <a:t>4/29/20</a:t>
+              <a:t>5/2/20</a:t>
             </a:fld>
             <a:endParaRPr lang="en-US" dirty="0"/>
           </a:p>
@@ -8238,7 +8920,7 @@
             <a:fld id="{B61BEF0D-F0BB-DE4B-95CE-6DB70DBA9567}" type="datetimeFigureOut">
               <a:rPr lang="en-US" smtClean="0"/>
               <a:pPr/>
-              <a:t>4/29/20</a:t>
+              <a:t>5/2/20</a:t>
             </a:fld>
             <a:endParaRPr lang="en-US" dirty="0"/>
           </a:p>
@@ -8358,7 +9040,7 @@
             <a:fld id="{B61BEF0D-F0BB-DE4B-95CE-6DB70DBA9567}" type="datetimeFigureOut">
               <a:rPr lang="en-US" smtClean="0"/>
               <a:pPr/>
-              <a:t>4/29/20</a:t>
+              <a:t>5/2/20</a:t>
             </a:fld>
             <a:endParaRPr lang="en-US" dirty="0"/>
           </a:p>
@@ -8455,7 +9137,7 @@
             <a:fld id="{B61BEF0D-F0BB-DE4B-95CE-6DB70DBA9567}" type="datetimeFigureOut">
               <a:rPr lang="en-US" smtClean="0"/>
               <a:pPr/>
-              <a:t>4/29/20</a:t>
+              <a:t>5/2/20</a:t>
             </a:fld>
             <a:endParaRPr lang="en-US" dirty="0"/>
           </a:p>
@@ -8705,7 +9387,7 @@
           <a:p>
             <a:fld id="{42A54C80-263E-416B-A8E0-580EDEADCBDC}" type="datetimeFigureOut">
               <a:rPr lang="en-US" smtClean="0"/>
-              <a:t>4/29/20</a:t>
+              <a:t>5/2/20</a:t>
             </a:fld>
             <a:endParaRPr lang="en-US" dirty="0"/>
           </a:p>
@@ -8986,7 +9668,7 @@
             <a:fld id="{B61BEF0D-F0BB-DE4B-95CE-6DB70DBA9567}" type="datetimeFigureOut">
               <a:rPr lang="en-US" smtClean="0"/>
               <a:pPr/>
-              <a:t>4/29/20</a:t>
+              <a:t>5/2/20</a:t>
             </a:fld>
             <a:endParaRPr lang="en-US" dirty="0"/>
           </a:p>
@@ -12065,7 +12747,7 @@
             <a:fld id="{B61BEF0D-F0BB-DE4B-95CE-6DB70DBA9567}" type="datetimeFigureOut">
               <a:rPr lang="en-US" smtClean="0"/>
               <a:pPr/>
-              <a:t>4/29/20</a:t>
+              <a:t>5/2/20</a:t>
             </a:fld>
             <a:endParaRPr lang="en-US" dirty="0"/>
           </a:p>
@@ -16088,7 +16770,7 @@
           <a:lstStyle/>
           <a:p>
             <a:r>
-              <a:rPr lang="en-US" sz="3200"/>
+              <a:rPr lang="en-US" sz="3200" dirty="0"/>
               <a:t>Granularity</a:t>
             </a:r>
           </a:p>
@@ -16128,8 +16810,8 @@
               </a:lnSpc>
             </a:pPr>
             <a:r>
-              <a:rPr lang="en-US" sz="1400"/>
-              <a:t>It means that each row’s meaning. Like the sample row from dataset df_mdcare_2018Bsc. </a:t>
+              <a:rPr lang="en-US" sz="1400" dirty="0"/>
+              <a:t>It means that what each row stands for. Like the sample row from dataset df_mdcare_2018Bsc. </a:t>
             </a:r>
           </a:p>
           <a:p>
@@ -16139,7 +16821,7 @@
               </a:lnSpc>
             </a:pPr>
             <a:r>
-              <a:rPr lang="en-US" sz="1400"/>
+              <a:rPr lang="en-US" sz="1400" dirty="0"/>
               <a:t>The first row means the national total counts of Medicare beneficiaries. For each state, the row statistics starts from state total counts of Medicare beneficiaries following by each county</a:t>
             </a:r>
           </a:p>
@@ -16150,7 +16832,7 @@
               </a:lnSpc>
             </a:pPr>
             <a:r>
-              <a:rPr lang="en-US" sz="1400"/>
+              <a:rPr lang="en-US" sz="1400" dirty="0"/>
               <a:t>Also, there are invalid and missing values in total counts of Medicare beneficiaries, such as "*"</a:t>
             </a:r>
           </a:p>
@@ -16161,7 +16843,7 @@
               </a:lnSpc>
             </a:pPr>
             <a:r>
-              <a:rPr lang="en-US" sz="1400"/>
+              <a:rPr lang="en-US" sz="1400" dirty="0"/>
               <a:t>From the table I also conclude that the column **"Beneficiaries with Part A and Part B" is the sum of "FFS Beneficiaries" and "MA Beneficiaries"**. </a:t>
             </a:r>
           </a:p>
@@ -18878,7 +19560,7 @@
           <a:p>
             <a:r>
               <a:rPr lang="en-US" sz="2000" dirty="0"/>
-              <a:t>Scope means the range of the data we will experiment on. For example, as I want to get both state level and county level weighted fee schedule, it’s better to separate the total census data into state-level and county-level.</a:t>
+              <a:t>Scope means the range of the data we want to dive into. For example, as I want to get both state level and county level weighted fee schedule, it’s better to separate the total census data into state-level and county-level.</a:t>
             </a:r>
           </a:p>
         </p:txBody>
@@ -21611,13 +22293,13 @@
         </p:spPr>
         <p:txBody>
           <a:bodyPr>
-            <a:normAutofit/>
+            <a:normAutofit fontScale="92500"/>
           </a:bodyPr>
           <a:lstStyle/>
           <a:p>
             <a:r>
               <a:rPr lang="en-US" dirty="0"/>
-              <a:t>For example, the Physician Fee Schedule we got might contain data which takes effect after fiscal year 2018. To make our fee estimation more accurate, we focus on the procedure code which is effective in year 2018.</a:t>
+              <a:t>It means the time span of the desired data. For example, the Physician Fee Schedule we got might contain data which takes effect after fiscal year 2018. To make our fee estimation more accurate, we focus on the procedure code which is effective in year 2018.</a:t>
             </a:r>
           </a:p>
         </p:txBody>
@@ -21705,10 +22387,9 @@
           <a:lstStyle/>
           <a:p>
             <a:r>
-              <a:rPr lang="en-US"/>
+              <a:rPr lang="en-US" dirty="0"/>
               <a:t>faithfulness</a:t>
             </a:r>
-            <a:endParaRPr lang="en-US" dirty="0"/>
           </a:p>
         </p:txBody>
       </p:sp>
@@ -21786,13 +22467,13 @@
         </p:spPr>
         <p:txBody>
           <a:bodyPr>
-            <a:normAutofit lnSpcReduction="10000"/>
+            <a:normAutofit fontScale="92500"/>
           </a:bodyPr>
           <a:lstStyle/>
           <a:p>
             <a:r>
               <a:rPr lang="en-US" dirty="0"/>
-              <a:t>Not all data in the dataset are valid because some of the files are in special view format for other uses. Such as in  df_NY_mdcaid_2018Bc, some rows are not meaningful to us because data are not included in our desired programs.</a:t>
+              <a:t>If data is faithful, it means that the data is valid. However, not all our data are valid because some of the downloaded files are in special views. For example, in  df_NY_mdcaid_2018Bc, some rows are dropped because they are not meaningful and not essential.</a:t>
             </a:r>
           </a:p>
         </p:txBody>
@@ -24445,8 +25126,16 @@
           <a:lstStyle/>
           <a:p>
             <a:r>
+              <a:rPr lang="en-US" dirty="0">
+                <a:solidFill>
+                  <a:srgbClr val="FFFF00"/>
+                </a:solidFill>
+              </a:rPr>
+              <a:t>We can assume that physicians get paid for a medical procedure based on  their patients’ insurance coverage. </a:t>
+            </a:r>
+            <a:r>
               <a:rPr lang="en-US" dirty="0"/>
-              <a:t>Our solution is to use proportion of Medicaid, Medicare and Private insurance enrollment over the states’/counties’ population. These ratios could be the weights to calculate the weighted fee schedule if we assume that physicians get paid for a medical procedure based on  their patients’ insurance coverage.</a:t>
+              <a:t>Therefore, our solution is to use proportion of Medicaid, Medicare and Private insurance enrollment over the states’/counties’ population. These ratios could be the weights to calculate the weighted fee schedule.</a:t>
             </a:r>
           </a:p>
           <a:p>
@@ -33290,25 +33979,25 @@
         <p:spPr/>
         <p:txBody>
           <a:bodyPr>
-            <a:normAutofit/>
+            <a:normAutofit fontScale="92500"/>
           </a:bodyPr>
           <a:lstStyle/>
           <a:p>
             <a:r>
               <a:rPr lang="en-US" dirty="0"/>
-              <a:t>1, The actual costs of a patient visit for a procedure code could be more valuable when physicians take them into consideration for above new patient’s billing case.</a:t>
+              <a:t>1, The fee schedule is an estimated expense for a medical procedure. Of course, It could be more valuable if If we could collect enough actual expenses/costs of a patient visit for demographic data in future.</a:t>
             </a:r>
           </a:p>
           <a:p>
             <a:r>
               <a:rPr lang="en-US" dirty="0"/>
-              <a:t>2, It is highly expected that we can cooperate with private insurance companies with their enrollment data and physician fee schedule database. </a:t>
+              <a:t>2, It is highly expected that we can cooperate with one or more private insurance companies to work with their customer data (expenses and enrollment). </a:t>
             </a:r>
           </a:p>
           <a:p>
             <a:r>
               <a:rPr lang="en-US" dirty="0"/>
-              <a:t>3, Further study could focus on town, Hospital Referral Region (HRR) level or ZIP code-level fee schedules could be quite prospective. </a:t>
+              <a:t>3, The most challenging part maybe further narrowing down to township, Hospital Referral Region (HRR) level or ZIP code-level fee schedules. But the outputs could be quite prospective. </a:t>
             </a:r>
           </a:p>
         </p:txBody>
@@ -43414,7 +44103,7 @@
                   <a:srgbClr val="FFFFFF"/>
                 </a:solidFill>
               </a:rPr>
-              <a:t>Thanks</a:t>
+              <a:t>Thanks &amp; QA</a:t>
             </a:r>
             <a:br>
               <a:rPr lang="en-US" sz="4100" dirty="0">
@@ -46191,7 +46880,7 @@
         </p:spPr>
         <p:txBody>
           <a:bodyPr>
-            <a:normAutofit lnSpcReduction="10000"/>
+            <a:normAutofit/>
           </a:bodyPr>
           <a:lstStyle/>
           <a:p>
@@ -46206,7 +46895,19 @@
             </a:pPr>
             <a:r>
               <a:rPr lang="en-US" dirty="0"/>
-              <a:t>In the beginning of every year, CMS will release a drafted physician fee schedule for medical procedures. It is a guideline for medical industry because nobody wants to be driven away by a messy prices medical market. However, each state has their own medical programs which help people to get better health care plan. There could be gaps between the CMS bureau PFS releases and state-owned medical programs. Our goal is to determine a proper and reasonable fee for medical procedures conducted by physicians on their uninsured patients.</a:t>
+              <a:t>In the beginning of every year, CMS will release a drafted physician fee schedule for medical procedures. It is a guideline for medical industry because nobody wants to be driven away by a messy prices medical market. However, each state has their own medical programs which help people to get better health care plan. There could be gaps between the CMS bureau PFS releases and state-owned medical programs. </a:t>
+            </a:r>
+            <a:r>
+              <a:rPr lang="en-US" i="1" dirty="0">
+                <a:solidFill>
+                  <a:srgbClr val="FFFF00"/>
+                </a:solidFill>
+              </a:rPr>
+              <a:t>Our goal is to determine a proper and reasonable fee for medical procedures conducted by physicians on their uninsured patients</a:t>
+            </a:r>
+            <a:r>
+              <a:rPr lang="en-US" i="1" dirty="0"/>
+              <a:t>.</a:t>
             </a:r>
           </a:p>
         </p:txBody>
@@ -46287,18 +46988,20 @@
         </p:nvSpPr>
         <p:spPr/>
         <p:txBody>
-          <a:bodyPr/>
+          <a:bodyPr>
+            <a:normAutofit/>
+          </a:bodyPr>
           <a:lstStyle/>
           <a:p>
             <a:r>
               <a:rPr lang="en-US" dirty="0"/>
-              <a:t>First , I will give a fee schedule solution for state level weighted fee schedule which could be applied to newly Medicaid expanded states.</a:t>
+              <a:t>First , I will give a solution for state level weighted fee schedule which could be applied to newly Medicaid/Medicare expanded states.</a:t>
             </a:r>
           </a:p>
           <a:p>
             <a:r>
               <a:rPr lang="en-US" dirty="0"/>
-              <a:t>Further on I narrow down geographic administrative unit to county to get a county level weighted fee schedule for each state. Without loss of generality, Connecticut, Indiana, and New York are taken out as my first phase examples.</a:t>
+              <a:t>Further on, I decide to narrow down geographic administrative unit from state to county to get a county level weighted fee schedule. After consulted with advisors, we believe that research on states Connecticut, Indiana, and New York will be valuable because of their geographic distribution and desired insurance markets. </a:t>
             </a:r>
           </a:p>
           <a:p>
@@ -50208,4 +50911,299 @@
     </a:ext>
   </a:extLst>
 </a:theme>
+</file>
+
+<file path=ppt/theme/theme2.xml><?xml version="1.0" encoding="utf-8"?>
+<a:theme xmlns:a="http://schemas.openxmlformats.org/drawingml/2006/main" name="Office Theme">
+  <a:themeElements>
+    <a:clrScheme name="Office">
+      <a:dk1>
+        <a:sysClr val="windowText" lastClr="000000"/>
+      </a:dk1>
+      <a:lt1>
+        <a:sysClr val="window" lastClr="FFFFFF"/>
+      </a:lt1>
+      <a:dk2>
+        <a:srgbClr val="44546A"/>
+      </a:dk2>
+      <a:lt2>
+        <a:srgbClr val="E7E6E6"/>
+      </a:lt2>
+      <a:accent1>
+        <a:srgbClr val="4472C4"/>
+      </a:accent1>
+      <a:accent2>
+        <a:srgbClr val="ED7D31"/>
+      </a:accent2>
+      <a:accent3>
+        <a:srgbClr val="A5A5A5"/>
+      </a:accent3>
+      <a:accent4>
+        <a:srgbClr val="FFC000"/>
+      </a:accent4>
+      <a:accent5>
+        <a:srgbClr val="5B9BD5"/>
+      </a:accent5>
+      <a:accent6>
+        <a:srgbClr val="70AD47"/>
+      </a:accent6>
+      <a:hlink>
+        <a:srgbClr val="0563C1"/>
+      </a:hlink>
+      <a:folHlink>
+        <a:srgbClr val="954F72"/>
+      </a:folHlink>
+    </a:clrScheme>
+    <a:fontScheme name="Office">
+      <a:majorFont>
+        <a:latin typeface="Calibri Light" panose="020F0302020204030204"/>
+        <a:ea typeface=""/>
+        <a:cs typeface=""/>
+        <a:font script="Jpan" typeface="游ゴシック Light"/>
+        <a:font script="Hang" typeface="맑은 고딕"/>
+        <a:font script="Hans" typeface="等线 Light"/>
+        <a:font script="Hant" typeface="新細明體"/>
+        <a:font script="Arab" typeface="Times New Roman"/>
+        <a:font script="Hebr" typeface="Times New Roman"/>
+        <a:font script="Thai" typeface="Angsana New"/>
+        <a:font script="Ethi" typeface="Nyala"/>
+        <a:font script="Beng" typeface="Vrinda"/>
+        <a:font script="Gujr" typeface="Shruti"/>
+        <a:font script="Khmr" typeface="MoolBoran"/>
+        <a:font script="Knda" typeface="Tunga"/>
+        <a:font script="Guru" typeface="Raavi"/>
+        <a:font script="Cans" typeface="Euphemia"/>
+        <a:font script="Cher" typeface="Plantagenet Cherokee"/>
+        <a:font script="Yiii" typeface="Microsoft Yi Baiti"/>
+        <a:font script="Tibt" typeface="Microsoft Himalaya"/>
+        <a:font script="Thaa" typeface="MV Boli"/>
+        <a:font script="Deva" typeface="Mangal"/>
+        <a:font script="Telu" typeface="Gautami"/>
+        <a:font script="Taml" typeface="Latha"/>
+        <a:font script="Syrc" typeface="Estrangelo Edessa"/>
+        <a:font script="Orya" typeface="Kalinga"/>
+        <a:font script="Mlym" typeface="Kartika"/>
+        <a:font script="Laoo" typeface="DokChampa"/>
+        <a:font script="Sinh" typeface="Iskoola Pota"/>
+        <a:font script="Mong" typeface="Mongolian Baiti"/>
+        <a:font script="Viet" typeface="Times New Roman"/>
+        <a:font script="Uigh" typeface="Microsoft Uighur"/>
+        <a:font script="Geor" typeface="Sylfaen"/>
+        <a:font script="Armn" typeface="Arial"/>
+        <a:font script="Bugi" typeface="Leelawadee UI"/>
+        <a:font script="Bopo" typeface="Microsoft JhengHei"/>
+        <a:font script="Java" typeface="Javanese Text"/>
+        <a:font script="Lisu" typeface="Segoe UI"/>
+        <a:font script="Mymr" typeface="Myanmar Text"/>
+        <a:font script="Nkoo" typeface="Ebrima"/>
+        <a:font script="Olck" typeface="Nirmala UI"/>
+        <a:font script="Osma" typeface="Ebrima"/>
+        <a:font script="Phag" typeface="Phagspa"/>
+        <a:font script="Syrn" typeface="Estrangelo Edessa"/>
+        <a:font script="Syrj" typeface="Estrangelo Edessa"/>
+        <a:font script="Syre" typeface="Estrangelo Edessa"/>
+        <a:font script="Sora" typeface="Nirmala UI"/>
+        <a:font script="Tale" typeface="Microsoft Tai Le"/>
+        <a:font script="Talu" typeface="Microsoft New Tai Lue"/>
+        <a:font script="Tfng" typeface="Ebrima"/>
+      </a:majorFont>
+      <a:minorFont>
+        <a:latin typeface="Calibri" panose="020F0502020204030204"/>
+        <a:ea typeface=""/>
+        <a:cs typeface=""/>
+        <a:font script="Jpan" typeface="游ゴシック"/>
+        <a:font script="Hang" typeface="맑은 고딕"/>
+        <a:font script="Hans" typeface="等线"/>
+        <a:font script="Hant" typeface="新細明體"/>
+        <a:font script="Arab" typeface="Arial"/>
+        <a:font script="Hebr" typeface="Arial"/>
+        <a:font script="Thai" typeface="Cordia New"/>
+        <a:font script="Ethi" typeface="Nyala"/>
+        <a:font script="Beng" typeface="Vrinda"/>
+        <a:font script="Gujr" typeface="Shruti"/>
+        <a:font script="Khmr" typeface="DaunPenh"/>
+        <a:font script="Knda" typeface="Tunga"/>
+        <a:font script="Guru" typeface="Raavi"/>
+        <a:font script="Cans" typeface="Euphemia"/>
+        <a:font script="Cher" typeface="Plantagenet Cherokee"/>
+        <a:font script="Yiii" typeface="Microsoft Yi Baiti"/>
+        <a:font script="Tibt" typeface="Microsoft Himalaya"/>
+        <a:font script="Thaa" typeface="MV Boli"/>
+        <a:font script="Deva" typeface="Mangal"/>
+        <a:font script="Telu" typeface="Gautami"/>
+        <a:font script="Taml" typeface="Latha"/>
+        <a:font script="Syrc" typeface="Estrangelo Edessa"/>
+        <a:font script="Orya" typeface="Kalinga"/>
+        <a:font script="Mlym" typeface="Kartika"/>
+        <a:font script="Laoo" typeface="DokChampa"/>
+        <a:font script="Sinh" typeface="Iskoola Pota"/>
+        <a:font script="Mong" typeface="Mongolian Baiti"/>
+        <a:font script="Viet" typeface="Arial"/>
+        <a:font script="Uigh" typeface="Microsoft Uighur"/>
+        <a:font script="Geor" typeface="Sylfaen"/>
+        <a:font script="Armn" typeface="Arial"/>
+        <a:font script="Bugi" typeface="Leelawadee UI"/>
+        <a:font script="Bopo" typeface="Microsoft JhengHei"/>
+        <a:font script="Java" typeface="Javanese Text"/>
+        <a:font script="Lisu" typeface="Segoe UI"/>
+        <a:font script="Mymr" typeface="Myanmar Text"/>
+        <a:font script="Nkoo" typeface="Ebrima"/>
+        <a:font script="Olck" typeface="Nirmala UI"/>
+        <a:font script="Osma" typeface="Ebrima"/>
+        <a:font script="Phag" typeface="Phagspa"/>
+        <a:font script="Syrn" typeface="Estrangelo Edessa"/>
+        <a:font script="Syrj" typeface="Estrangelo Edessa"/>
+        <a:font script="Syre" typeface="Estrangelo Edessa"/>
+        <a:font script="Sora" typeface="Nirmala UI"/>
+        <a:font script="Tale" typeface="Microsoft Tai Le"/>
+        <a:font script="Talu" typeface="Microsoft New Tai Lue"/>
+        <a:font script="Tfng" typeface="Ebrima"/>
+      </a:minorFont>
+    </a:fontScheme>
+    <a:fmtScheme name="Office">
+      <a:fillStyleLst>
+        <a:solidFill>
+          <a:schemeClr val="phClr"/>
+        </a:solidFill>
+        <a:gradFill rotWithShape="1">
+          <a:gsLst>
+            <a:gs pos="0">
+              <a:schemeClr val="phClr">
+                <a:lumMod val="110000"/>
+                <a:satMod val="105000"/>
+                <a:tint val="67000"/>
+              </a:schemeClr>
+            </a:gs>
+            <a:gs pos="50000">
+              <a:schemeClr val="phClr">
+                <a:lumMod val="105000"/>
+                <a:satMod val="103000"/>
+                <a:tint val="73000"/>
+              </a:schemeClr>
+            </a:gs>
+            <a:gs pos="100000">
+              <a:schemeClr val="phClr">
+                <a:lumMod val="105000"/>
+                <a:satMod val="109000"/>
+                <a:tint val="81000"/>
+              </a:schemeClr>
+            </a:gs>
+          </a:gsLst>
+          <a:lin ang="5400000" scaled="0"/>
+        </a:gradFill>
+        <a:gradFill rotWithShape="1">
+          <a:gsLst>
+            <a:gs pos="0">
+              <a:schemeClr val="phClr">
+                <a:satMod val="103000"/>
+                <a:lumMod val="102000"/>
+                <a:tint val="94000"/>
+              </a:schemeClr>
+            </a:gs>
+            <a:gs pos="50000">
+              <a:schemeClr val="phClr">
+                <a:satMod val="110000"/>
+                <a:lumMod val="100000"/>
+                <a:shade val="100000"/>
+              </a:schemeClr>
+            </a:gs>
+            <a:gs pos="100000">
+              <a:schemeClr val="phClr">
+                <a:lumMod val="99000"/>
+                <a:satMod val="120000"/>
+                <a:shade val="78000"/>
+              </a:schemeClr>
+            </a:gs>
+          </a:gsLst>
+          <a:lin ang="5400000" scaled="0"/>
+        </a:gradFill>
+      </a:fillStyleLst>
+      <a:lnStyleLst>
+        <a:ln w="6350" cap="flat" cmpd="sng" algn="ctr">
+          <a:solidFill>
+            <a:schemeClr val="phClr"/>
+          </a:solidFill>
+          <a:prstDash val="solid"/>
+          <a:miter lim="800000"/>
+        </a:ln>
+        <a:ln w="12700" cap="flat" cmpd="sng" algn="ctr">
+          <a:solidFill>
+            <a:schemeClr val="phClr"/>
+          </a:solidFill>
+          <a:prstDash val="solid"/>
+          <a:miter lim="800000"/>
+        </a:ln>
+        <a:ln w="19050" cap="flat" cmpd="sng" algn="ctr">
+          <a:solidFill>
+            <a:schemeClr val="phClr"/>
+          </a:solidFill>
+          <a:prstDash val="solid"/>
+          <a:miter lim="800000"/>
+        </a:ln>
+      </a:lnStyleLst>
+      <a:effectStyleLst>
+        <a:effectStyle>
+          <a:effectLst/>
+        </a:effectStyle>
+        <a:effectStyle>
+          <a:effectLst/>
+        </a:effectStyle>
+        <a:effectStyle>
+          <a:effectLst>
+            <a:outerShdw blurRad="57150" dist="19050" dir="5400000" algn="ctr" rotWithShape="0">
+              <a:srgbClr val="000000">
+                <a:alpha val="63000"/>
+              </a:srgbClr>
+            </a:outerShdw>
+          </a:effectLst>
+        </a:effectStyle>
+      </a:effectStyleLst>
+      <a:bgFillStyleLst>
+        <a:solidFill>
+          <a:schemeClr val="phClr"/>
+        </a:solidFill>
+        <a:solidFill>
+          <a:schemeClr val="phClr">
+            <a:tint val="95000"/>
+            <a:satMod val="170000"/>
+          </a:schemeClr>
+        </a:solidFill>
+        <a:gradFill rotWithShape="1">
+          <a:gsLst>
+            <a:gs pos="0">
+              <a:schemeClr val="phClr">
+                <a:tint val="93000"/>
+                <a:satMod val="150000"/>
+                <a:shade val="98000"/>
+                <a:lumMod val="102000"/>
+              </a:schemeClr>
+            </a:gs>
+            <a:gs pos="50000">
+              <a:schemeClr val="phClr">
+                <a:tint val="98000"/>
+                <a:satMod val="130000"/>
+                <a:shade val="90000"/>
+                <a:lumMod val="103000"/>
+              </a:schemeClr>
+            </a:gs>
+            <a:gs pos="100000">
+              <a:schemeClr val="phClr">
+                <a:shade val="63000"/>
+                <a:satMod val="120000"/>
+              </a:schemeClr>
+            </a:gs>
+          </a:gsLst>
+          <a:lin ang="5400000" scaled="0"/>
+        </a:gradFill>
+      </a:bgFillStyleLst>
+    </a:fmtScheme>
+  </a:themeElements>
+  <a:objectDefaults/>
+  <a:extraClrSchemeLst/>
+  <a:extLst>
+    <a:ext uri="{05A4C25C-085E-4340-85A3-A5531E510DB2}">
+      <thm15:themeFamily xmlns:thm15="http://schemas.microsoft.com/office/thememl/2012/main" name="Office Theme" id="{62F939B6-93AF-4DB8-9C6B-D6C7DFDC589F}" vid="{4A3C46E8-61CC-4603-A589-7422A47A8E4A}"/>
+    </a:ext>
+  </a:extLst>
+</a:theme>
 </file>